--- a/doc/Design Presentation.pptx
+++ b/doc/Design Presentation.pptx
@@ -6,12 +6,11 @@
   </p:sldMasterIdLst>
   <p:sldIdLst>
     <p:sldId id="256" r:id="rId2"/>
-    <p:sldId id="258" r:id="rId3"/>
+    <p:sldId id="272" r:id="rId3"/>
     <p:sldId id="264" r:id="rId4"/>
-    <p:sldId id="261" r:id="rId5"/>
+    <p:sldId id="273" r:id="rId5"/>
     <p:sldId id="265" r:id="rId6"/>
     <p:sldId id="260" r:id="rId7"/>
-    <p:sldId id="262" r:id="rId8"/>
   </p:sldIdLst>
   <p:sldSz cx="9144000" cy="6858000" type="screen4x3"/>
   <p:notesSz cx="6858000" cy="9144000"/>
@@ -294,7 +293,7 @@
           <a:p>
             <a:fld id="{11DD0B18-99E9-42FA-848D-16C7CE87904D}" type="datetimeFigureOut">
               <a:rPr lang="en-US" smtClean="0"/>
-              <a:t>3/16/2012</a:t>
+              <a:t>5/9/2012</a:t>
             </a:fld>
             <a:endParaRPr lang="en-US"/>
           </a:p>
@@ -464,7 +463,7 @@
           <a:p>
             <a:fld id="{11DD0B18-99E9-42FA-848D-16C7CE87904D}" type="datetimeFigureOut">
               <a:rPr lang="en-US" smtClean="0"/>
-              <a:t>3/16/2012</a:t>
+              <a:t>5/9/2012</a:t>
             </a:fld>
             <a:endParaRPr lang="en-US"/>
           </a:p>
@@ -644,7 +643,7 @@
           <a:p>
             <a:fld id="{11DD0B18-99E9-42FA-848D-16C7CE87904D}" type="datetimeFigureOut">
               <a:rPr lang="en-US" smtClean="0"/>
-              <a:t>3/16/2012</a:t>
+              <a:t>5/9/2012</a:t>
             </a:fld>
             <a:endParaRPr lang="en-US"/>
           </a:p>
@@ -814,7 +813,7 @@
           <a:p>
             <a:fld id="{11DD0B18-99E9-42FA-848D-16C7CE87904D}" type="datetimeFigureOut">
               <a:rPr lang="en-US" smtClean="0"/>
-              <a:t>3/16/2012</a:t>
+              <a:t>5/9/2012</a:t>
             </a:fld>
             <a:endParaRPr lang="en-US"/>
           </a:p>
@@ -1060,7 +1059,7 @@
           <a:p>
             <a:fld id="{11DD0B18-99E9-42FA-848D-16C7CE87904D}" type="datetimeFigureOut">
               <a:rPr lang="en-US" smtClean="0"/>
-              <a:t>3/16/2012</a:t>
+              <a:t>5/9/2012</a:t>
             </a:fld>
             <a:endParaRPr lang="en-US"/>
           </a:p>
@@ -1348,7 +1347,7 @@
           <a:p>
             <a:fld id="{11DD0B18-99E9-42FA-848D-16C7CE87904D}" type="datetimeFigureOut">
               <a:rPr lang="en-US" smtClean="0"/>
-              <a:t>3/16/2012</a:t>
+              <a:t>5/9/2012</a:t>
             </a:fld>
             <a:endParaRPr lang="en-US"/>
           </a:p>
@@ -1770,7 +1769,7 @@
           <a:p>
             <a:fld id="{11DD0B18-99E9-42FA-848D-16C7CE87904D}" type="datetimeFigureOut">
               <a:rPr lang="en-US" smtClean="0"/>
-              <a:t>3/16/2012</a:t>
+              <a:t>5/9/2012</a:t>
             </a:fld>
             <a:endParaRPr lang="en-US"/>
           </a:p>
@@ -1888,7 +1887,7 @@
           <a:p>
             <a:fld id="{11DD0B18-99E9-42FA-848D-16C7CE87904D}" type="datetimeFigureOut">
               <a:rPr lang="en-US" smtClean="0"/>
-              <a:t>3/16/2012</a:t>
+              <a:t>5/9/2012</a:t>
             </a:fld>
             <a:endParaRPr lang="en-US"/>
           </a:p>
@@ -1983,7 +1982,7 @@
           <a:p>
             <a:fld id="{11DD0B18-99E9-42FA-848D-16C7CE87904D}" type="datetimeFigureOut">
               <a:rPr lang="en-US" smtClean="0"/>
-              <a:t>3/16/2012</a:t>
+              <a:t>5/9/2012</a:t>
             </a:fld>
             <a:endParaRPr lang="en-US"/>
           </a:p>
@@ -2260,7 +2259,7 @@
           <a:p>
             <a:fld id="{11DD0B18-99E9-42FA-848D-16C7CE87904D}" type="datetimeFigureOut">
               <a:rPr lang="en-US" smtClean="0"/>
-              <a:t>3/16/2012</a:t>
+              <a:t>5/9/2012</a:t>
             </a:fld>
             <a:endParaRPr lang="en-US"/>
           </a:p>
@@ -2513,7 +2512,7 @@
           <a:p>
             <a:fld id="{11DD0B18-99E9-42FA-848D-16C7CE87904D}" type="datetimeFigureOut">
               <a:rPr lang="en-US" smtClean="0"/>
-              <a:t>3/16/2012</a:t>
+              <a:t>5/9/2012</a:t>
             </a:fld>
             <a:endParaRPr lang="en-US"/>
           </a:p>
@@ -2726,7 +2725,7 @@
           <a:p>
             <a:fld id="{11DD0B18-99E9-42FA-848D-16C7CE87904D}" type="datetimeFigureOut">
               <a:rPr lang="en-US" smtClean="0"/>
-              <a:t>3/16/2012</a:t>
+              <a:t>5/9/2012</a:t>
             </a:fld>
             <a:endParaRPr lang="en-US"/>
           </a:p>
@@ -3113,33 +3112,16 @@
         </p:nvSpPr>
         <p:spPr/>
         <p:txBody>
-          <a:bodyPr/>
-          <a:lstStyle/>
-          <a:p>
-            <a:r>
-              <a:rPr lang="en-US" dirty="0" err="1" smtClean="0"/>
+          <a:bodyPr>
+            <a:normAutofit/>
+          </a:bodyPr>
+          <a:lstStyle/>
+          <a:p>
+            <a:r>
+              <a:rPr lang="en-US" sz="6000" dirty="0" err="1" smtClean="0"/>
               <a:t>LWPsix</a:t>
             </a:r>
-            <a:endParaRPr lang="en-US" dirty="0"/>
-          </a:p>
-        </p:txBody>
-      </p:sp>
-      <p:sp>
-        <p:nvSpPr>
-          <p:cNvPr id="3" name="Subtitle 2"/>
-          <p:cNvSpPr>
-            <a:spLocks noGrp="1"/>
-          </p:cNvSpPr>
-          <p:nvPr>
-            <p:ph type="subTitle" idx="1"/>
-          </p:nvPr>
-        </p:nvSpPr>
-        <p:spPr/>
-        <p:txBody>
-          <a:bodyPr/>
-          <a:lstStyle/>
-          <a:p>
-            <a:endParaRPr lang="en-US" dirty="0"/>
+            <a:endParaRPr lang="en-US" sz="6000" dirty="0"/>
           </a:p>
         </p:txBody>
       </p:sp>
@@ -3197,7 +3179,11 @@
           <a:p>
             <a:r>
               <a:rPr lang="en-US" dirty="0" smtClean="0"/>
-              <a:t>Project Description</a:t>
+              <a:t>Project </a:t>
+            </a:r>
+            <a:r>
+              <a:rPr lang="en-US" dirty="0" smtClean="0"/>
+              <a:t>Description</a:t>
             </a:r>
             <a:endParaRPr lang="en-US" dirty="0"/>
           </a:p>
@@ -3220,56 +3206,60 @@
           </a:bodyPr>
           <a:lstStyle/>
           <a:p>
+            <a:pPr marL="0" indent="0">
+              <a:buNone/>
+            </a:pPr>
             <a:r>
               <a:rPr lang="en-US" dirty="0" smtClean="0"/>
-              <a:t>Inspired by LWP for Perl 5</a:t>
-            </a:r>
-          </a:p>
-          <a:p>
+              <a:t>Inspired by LWP for Perl 5…</a:t>
+            </a:r>
+          </a:p>
+          <a:p>
+            <a:pPr marL="0" indent="0">
+              <a:buNone/>
+            </a:pPr>
+            <a:endParaRPr lang="en-US" dirty="0" smtClean="0"/>
+          </a:p>
+          <a:p>
+            <a:pPr marL="514350" indent="-514350">
+              <a:buFont typeface="+mj-lt"/>
+              <a:buAutoNum type="arabicPeriod"/>
+            </a:pPr>
+            <a:r>
+              <a:rPr lang="en-US" dirty="0" smtClean="0"/>
+              <a:t>High-level implementation of  HTTP</a:t>
+            </a:r>
+          </a:p>
+          <a:p>
+            <a:pPr marL="514350" indent="-514350">
+              <a:buFont typeface="+mj-lt"/>
+              <a:buAutoNum type="arabicPeriod"/>
+            </a:pPr>
+            <a:r>
+              <a:rPr lang="en-US" dirty="0" smtClean="0"/>
+              <a:t>Common </a:t>
+            </a:r>
             <a:r>
               <a:rPr lang="en-US" dirty="0"/>
-              <a:t>P</a:t>
+              <a:t>web use cases </a:t>
             </a:r>
             <a:r>
               <a:rPr lang="en-US" dirty="0" smtClean="0"/>
-              <a:t>rovide a high-level implementation of the HTTP protocol</a:t>
-            </a:r>
-            <a:endParaRPr lang="en-US" dirty="0" smtClean="0"/>
-          </a:p>
-          <a:p>
-            <a:r>
-              <a:rPr lang="en-US" dirty="0"/>
-              <a:t>H</a:t>
+              <a:t>simply and straightforwardly</a:t>
+            </a:r>
+          </a:p>
+          <a:p>
+            <a:pPr marL="514350" indent="-514350">
+              <a:buFont typeface="+mj-lt"/>
+              <a:buAutoNum type="arabicPeriod"/>
+            </a:pPr>
+            <a:r>
+              <a:rPr lang="en-US" dirty="0" err="1" smtClean="0"/>
+              <a:t>Subclassers</a:t>
             </a:r>
             <a:r>
               <a:rPr lang="en-US" dirty="0" smtClean="0"/>
-              <a:t>andle all </a:t>
-            </a:r>
-            <a:r>
-              <a:rPr lang="en-US" dirty="0"/>
-              <a:t>common web use cases in as simple and straightforward of a way as </a:t>
-            </a:r>
-            <a:r>
-              <a:rPr lang="en-US" dirty="0" smtClean="0"/>
-              <a:t>possible</a:t>
-            </a:r>
-          </a:p>
-          <a:p>
-            <a:r>
-              <a:rPr lang="en-US" dirty="0" smtClean="0"/>
-              <a:t>Allow </a:t>
-            </a:r>
-            <a:r>
-              <a:rPr lang="en-US" dirty="0" err="1"/>
-              <a:t>subclassers</a:t>
-            </a:r>
-            <a:r>
-              <a:rPr lang="en-US" dirty="0"/>
-              <a:t> a basis upon which to build more complex behavior in a sensible </a:t>
-            </a:r>
-            <a:r>
-              <a:rPr lang="en-US" dirty="0" smtClean="0"/>
-              <a:t>way</a:t>
+              <a:t> provide complex behavior</a:t>
             </a:r>
           </a:p>
         </p:txBody>
@@ -3277,7 +3267,7 @@
     </p:spTree>
     <p:extLst>
       <p:ext uri="{BB962C8B-B14F-4D97-AF65-F5344CB8AC3E}">
-        <p14:creationId xmlns:p14="http://schemas.microsoft.com/office/powerpoint/2010/main" val="894252009"/>
+        <p14:creationId xmlns:p14="http://schemas.microsoft.com/office/powerpoint/2010/main" val="2039638846"/>
       </p:ext>
     </p:extLst>
   </p:cSld>
@@ -3352,66 +3342,39 @@
           <a:lstStyle/>
           <a:p>
             <a:r>
+              <a:rPr lang="en-US" dirty="0"/>
+              <a:t>GET requests</a:t>
+            </a:r>
+          </a:p>
+          <a:p>
+            <a:r>
+              <a:rPr lang="en-US" dirty="0"/>
+              <a:t>Support for HTTP/1.0</a:t>
+            </a:r>
+          </a:p>
+          <a:p>
+            <a:r>
+              <a:rPr lang="en-US" dirty="0"/>
+              <a:t>Support for HTTPS and HTTP </a:t>
+            </a:r>
+            <a:r>
               <a:rPr lang="en-US" dirty="0" smtClean="0"/>
-              <a:t>Transparent handling of redirects</a:t>
+              <a:t>proxies</a:t>
             </a:r>
           </a:p>
           <a:p>
             <a:r>
               <a:rPr lang="en-US" dirty="0" smtClean="0"/>
-              <a:t>Automatic reassembly of chunked results</a:t>
-            </a:r>
-          </a:p>
-          <a:p>
-            <a:r>
-              <a:rPr lang="en-US" dirty="0" smtClean="0"/>
-              <a:t>Support for HTTP/1.0</a:t>
-            </a:r>
-          </a:p>
-          <a:p>
-            <a:r>
-              <a:rPr lang="en-US" dirty="0" smtClean="0"/>
-              <a:t>Support for HTTPS</a:t>
+              <a:t>Cookie </a:t>
             </a:r>
             <a:r>
               <a:rPr lang="en-US" dirty="0"/>
-              <a:t> </a:t>
-            </a:r>
-            <a:r>
-              <a:rPr lang="en-US" dirty="0" smtClean="0"/>
-              <a:t>and </a:t>
-            </a:r>
-            <a:r>
-              <a:rPr lang="en-US" dirty="0" smtClean="0"/>
-              <a:t>HTTP proxies</a:t>
-            </a:r>
-          </a:p>
-          <a:p>
-            <a:r>
-              <a:rPr lang="en-US" dirty="0" smtClean="0"/>
-              <a:t>Connection persistence with </a:t>
-            </a:r>
-            <a:r>
-              <a:rPr lang="en-US" sz="2400" dirty="0" err="1" smtClean="0">
-                <a:latin typeface="Courier New" pitchFamily="49" charset="0"/>
-                <a:cs typeface="Courier New" pitchFamily="49" charset="0"/>
-              </a:rPr>
-              <a:t>keepalive</a:t>
-            </a:r>
-            <a:endParaRPr lang="en-US" sz="2400" dirty="0" smtClean="0">
-              <a:latin typeface="Courier New" pitchFamily="49" charset="0"/>
-              <a:cs typeface="Courier New" pitchFamily="49" charset="0"/>
-            </a:endParaRPr>
-          </a:p>
-          <a:p>
-            <a:r>
-              <a:rPr lang="en-US" dirty="0" smtClean="0"/>
-              <a:t>Cookie handling</a:t>
-            </a:r>
-          </a:p>
-          <a:p>
-            <a:r>
-              <a:rPr lang="en-US" dirty="0" smtClean="0"/>
+              <a:t>handling</a:t>
+            </a:r>
+          </a:p>
+          <a:p>
+            <a:r>
+              <a:rPr lang="en-US" dirty="0"/>
               <a:t>Basic and Digest authentication</a:t>
             </a:r>
             <a:endParaRPr lang="en-US" dirty="0"/>
@@ -3472,7 +3435,7 @@
           <a:p>
             <a:r>
               <a:rPr lang="en-US" dirty="0" smtClean="0"/>
-              <a:t>UML</a:t>
+              <a:t>Project Design</a:t>
             </a:r>
             <a:endParaRPr lang="en-US" dirty="0"/>
           </a:p>
@@ -3517,10 +3480,51 @@
           </a:p>
         </p:txBody>
       </p:sp>
+      <p:pic>
+        <p:nvPicPr>
+          <p:cNvPr id="1027" name="Picture 3" descr="C:\Users\Richard\Documents\Brown\[CS032] Introduction to Software Engineering\Term Project\LWPsix\LWPsix\doc\lwpsix-classdiagram.png"/>
+          <p:cNvPicPr>
+            <a:picLocks noChangeAspect="1" noChangeArrowheads="1"/>
+          </p:cNvPicPr>
+          <p:nvPr/>
+        </p:nvPicPr>
+        <p:blipFill>
+          <a:blip r:embed="rId2">
+            <a:extLst>
+              <a:ext uri="{28A0092B-C50C-407E-A947-70E740481C1C}">
+                <a14:useLocalDpi xmlns:a14="http://schemas.microsoft.com/office/drawing/2010/main" val="0"/>
+              </a:ext>
+            </a:extLst>
+          </a:blip>
+          <a:srcRect/>
+          <a:stretch>
+            <a:fillRect/>
+          </a:stretch>
+        </p:blipFill>
+        <p:spPr bwMode="auto">
+          <a:xfrm>
+            <a:off x="155575" y="1219200"/>
+            <a:ext cx="9133513" cy="4953000"/>
+          </a:xfrm>
+          <a:prstGeom prst="rect">
+            <a:avLst/>
+          </a:prstGeom>
+          <a:noFill/>
+          <a:extLst>
+            <a:ext uri="{909E8E84-426E-40DD-AFC4-6F175D3DCCD1}">
+              <a14:hiddenFill xmlns:a14="http://schemas.microsoft.com/office/drawing/2010/main">
+                <a:solidFill>
+                  <a:srgbClr val="FFFFFF"/>
+                </a:solidFill>
+              </a14:hiddenFill>
+            </a:ext>
+          </a:extLst>
+        </p:spPr>
+      </p:pic>
     </p:spTree>
     <p:extLst>
       <p:ext uri="{BB962C8B-B14F-4D97-AF65-F5344CB8AC3E}">
-        <p14:creationId xmlns:p14="http://schemas.microsoft.com/office/powerpoint/2010/main" val="1993381247"/>
+        <p14:creationId xmlns:p14="http://schemas.microsoft.com/office/powerpoint/2010/main" val="780564296"/>
       </p:ext>
     </p:extLst>
   </p:cSld>
@@ -3589,69 +3593,55 @@
         </p:nvSpPr>
         <p:spPr/>
         <p:txBody>
-          <a:bodyPr/>
+          <a:bodyPr>
+            <a:normAutofit/>
+          </a:bodyPr>
           <a:lstStyle/>
           <a:p>
             <a:r>
               <a:rPr lang="en-US" dirty="0" smtClean="0"/>
-              <a:t>Basic HTTP Request functionality </a:t>
-            </a:r>
-            <a:br>
+              <a:t>Basic </a:t>
+            </a:r>
+            <a:r>
               <a:rPr lang="en-US" dirty="0" smtClean="0"/>
-            </a:br>
+              <a:t>overall library organization &amp; HTTP</a:t>
+            </a:r>
+            <a:endParaRPr lang="en-US" dirty="0" smtClean="0"/>
+          </a:p>
+          <a:p>
+            <a:pPr lvl="1"/>
             <a:r>
               <a:rPr lang="en-US" dirty="0" smtClean="0"/>
-              <a:t>(</a:t>
-            </a:r>
-            <a:r>
-              <a:rPr lang="en-US" dirty="0" err="1" smtClean="0"/>
-              <a:t>UserAgent</a:t>
-            </a:r>
+              <a:t>Richard</a:t>
+            </a:r>
+            <a:endParaRPr lang="en-US" dirty="0" smtClean="0"/>
+          </a:p>
+          <a:p>
             <a:r>
               <a:rPr lang="en-US" dirty="0" smtClean="0"/>
-              <a:t> → </a:t>
-            </a:r>
-            <a:r>
-              <a:rPr lang="en-US" dirty="0" err="1" smtClean="0"/>
-              <a:t>OneShotHTTPProtocol</a:t>
-            </a:r>
+              <a:t>Headers</a:t>
+            </a:r>
+            <a:endParaRPr lang="en-US" dirty="0" smtClean="0"/>
+          </a:p>
+          <a:p>
+            <a:pPr lvl="1"/>
             <a:r>
               <a:rPr lang="en-US" dirty="0" smtClean="0"/>
-              <a:t>)</a:t>
+              <a:t>Dom</a:t>
             </a:r>
           </a:p>
           <a:p>
             <a:r>
               <a:rPr lang="en-US" dirty="0" smtClean="0"/>
-              <a:t>Cookies &amp; Credentials</a:t>
+              <a:t>HTTPS/SSL</a:t>
             </a:r>
             <a:endParaRPr lang="en-US" dirty="0" smtClean="0"/>
           </a:p>
           <a:p>
-            <a:r>
-              <a:rPr lang="en-US" dirty="0" err="1">
-                <a:latin typeface="Courier New" pitchFamily="49" charset="0"/>
-                <a:cs typeface="Courier New" pitchFamily="49" charset="0"/>
-              </a:rPr>
-              <a:t>k</a:t>
-            </a:r>
-            <a:r>
-              <a:rPr lang="en-US" dirty="0" err="1" smtClean="0">
-                <a:latin typeface="Courier New" pitchFamily="49" charset="0"/>
-                <a:cs typeface="Courier New" pitchFamily="49" charset="0"/>
-              </a:rPr>
-              <a:t>eepalive</a:t>
-            </a:r>
+            <a:pPr lvl="1"/>
             <a:r>
               <a:rPr lang="en-US" dirty="0" smtClean="0"/>
-              <a:t> &amp; Proxies</a:t>
-            </a:r>
-            <a:endParaRPr lang="en-US" dirty="0"/>
-          </a:p>
-          <a:p>
-            <a:r>
-              <a:rPr lang="en-US" dirty="0" smtClean="0"/>
-              <a:t>HTTPS/SSL </a:t>
+              <a:t>Mel </a:t>
             </a:r>
             <a:endParaRPr lang="en-US" dirty="0"/>
           </a:p>
@@ -3729,46 +3719,112 @@
         </p:nvSpPr>
         <p:spPr/>
         <p:txBody>
-          <a:bodyPr/>
-          <a:lstStyle/>
-          <a:p>
+          <a:bodyPr>
+            <a:normAutofit fontScale="92500" lnSpcReduction="20000"/>
+          </a:bodyPr>
+          <a:lstStyle/>
+          <a:p>
+            <a:r>
+              <a:rPr lang="en-US" b="1" dirty="0" smtClean="0"/>
+              <a:t>22-Mar</a:t>
+            </a:r>
             <a:r>
               <a:rPr lang="en-US" dirty="0" smtClean="0"/>
-              <a:t>22-Mar : Unit Tests for areas, I/O</a:t>
-            </a:r>
-          </a:p>
-          <a:p>
+              <a:t> : Unit Tests for modules</a:t>
+            </a:r>
+          </a:p>
+          <a:p>
+            <a:pPr lvl="1"/>
             <a:r>
               <a:rPr lang="en-US" dirty="0" smtClean="0"/>
-              <a:t>End of Spring Break : Complete Perl 6 handbook, examples</a:t>
-            </a:r>
-          </a:p>
-          <a:p>
+              <a:t>Assume full functionality of (&amp; mock out) dependencies</a:t>
+            </a:r>
+          </a:p>
+          <a:p>
+            <a:r>
+              <a:rPr lang="en-US" b="1" dirty="0" smtClean="0"/>
+              <a:t>2-Apr</a:t>
+            </a:r>
             <a:r>
               <a:rPr lang="en-US" dirty="0" smtClean="0"/>
-              <a:t>6-Apr : Catch-up meeting, JJ &amp; demo ideas</a:t>
-            </a:r>
-          </a:p>
-          <a:p>
+              <a:t> : Complete Perl 6 handbook, examples</a:t>
+            </a:r>
+          </a:p>
+          <a:p>
+            <a:r>
+              <a:rPr lang="en-US" b="1" dirty="0" smtClean="0"/>
+              <a:t>6-Apr</a:t>
+            </a:r>
             <a:r>
               <a:rPr lang="en-US" dirty="0" smtClean="0"/>
-              <a:t>13-Apr : Complete individual modules, begin integration</a:t>
-            </a:r>
-          </a:p>
-          <a:p>
+              <a:t> : Demo specs sent to JJ for approval</a:t>
+            </a:r>
+          </a:p>
+          <a:p>
+            <a:r>
+              <a:rPr lang="en-US" b="1" dirty="0" smtClean="0"/>
+              <a:t>13-Apr</a:t>
+            </a:r>
             <a:r>
               <a:rPr lang="en-US" dirty="0" smtClean="0"/>
-              <a:t>20-Apr : Complete integration</a:t>
-            </a:r>
-          </a:p>
-          <a:p>
+              <a:t> : Complete individual modules </a:t>
+            </a:r>
+            <a:endParaRPr lang="en-US" dirty="0"/>
+          </a:p>
+          <a:p>
+            <a:r>
+              <a:rPr lang="en-US" b="1" dirty="0" smtClean="0"/>
+              <a:t>20-Apr</a:t>
+            </a:r>
             <a:r>
               <a:rPr lang="en-US" dirty="0" smtClean="0"/>
-              <a:t>26-Apr: 2-3 prototype demos  </a:t>
-            </a:r>
-          </a:p>
-          <a:p>
-            <a:endParaRPr lang="en-US" dirty="0"/>
+              <a:t> </a:t>
+            </a:r>
+            <a:r>
+              <a:rPr lang="en-US" dirty="0"/>
+              <a:t>: Complete integration</a:t>
+            </a:r>
+            <a:endParaRPr lang="en-US" b="1" dirty="0"/>
+          </a:p>
+          <a:p>
+            <a:r>
+              <a:rPr lang="en-US" b="1" dirty="0"/>
+              <a:t>26-Apr</a:t>
+            </a:r>
+            <a:r>
+              <a:rPr lang="en-US" dirty="0"/>
+              <a:t> : Complete </a:t>
+            </a:r>
+            <a:r>
+              <a:rPr lang="en-US" dirty="0" smtClean="0"/>
+              <a:t>demo  </a:t>
+            </a:r>
+            <a:endParaRPr lang="en-US" b="1" dirty="0"/>
+          </a:p>
+          <a:p>
+            <a:r>
+              <a:rPr lang="en-US" b="1" i="1" dirty="0"/>
+              <a:t>7-8 May </a:t>
+            </a:r>
+            <a:r>
+              <a:rPr lang="en-US" i="1" dirty="0"/>
+              <a:t>: Demo day</a:t>
+            </a:r>
+          </a:p>
+          <a:p>
+            <a:r>
+              <a:rPr lang="en-US" b="1" i="1" dirty="0"/>
+              <a:t>9 May </a:t>
+            </a:r>
+            <a:r>
+              <a:rPr lang="en-US" i="1" dirty="0"/>
+              <a:t>: Final </a:t>
+            </a:r>
+            <a:r>
+              <a:rPr lang="en-US" i="1" dirty="0" smtClean="0"/>
+              <a:t>demo</a:t>
+            </a:r>
+            <a:endParaRPr lang="en-US" i="1" dirty="0"/>
           </a:p>
         </p:txBody>
       </p:sp>
@@ -3776,99 +3832,6 @@
     <p:extLst>
       <p:ext uri="{BB962C8B-B14F-4D97-AF65-F5344CB8AC3E}">
         <p14:creationId xmlns:p14="http://schemas.microsoft.com/office/powerpoint/2010/main" val="2015371460"/>
-      </p:ext>
-    </p:extLst>
-  </p:cSld>
-  <p:clrMapOvr>
-    <a:masterClrMapping/>
-  </p:clrMapOvr>
-  <p:timing>
-    <p:tnLst>
-      <p:par>
-        <p:cTn id="1" dur="indefinite" restart="never" nodeType="tmRoot"/>
-      </p:par>
-    </p:tnLst>
-  </p:timing>
-</p:sld>
-</file>
-
-<file path=ppt/slides/slide7.xml><?xml version="1.0" encoding="utf-8"?>
-<p:sld xmlns:a="http://schemas.openxmlformats.org/drawingml/2006/main" xmlns:r="http://schemas.openxmlformats.org/officeDocument/2006/relationships" xmlns:p="http://schemas.openxmlformats.org/presentationml/2006/main">
-  <p:cSld>
-    <p:spTree>
-      <p:nvGrpSpPr>
-        <p:cNvPr id="1" name=""/>
-        <p:cNvGrpSpPr/>
-        <p:nvPr/>
-      </p:nvGrpSpPr>
-      <p:grpSpPr>
-        <a:xfrm>
-          <a:off x="0" y="0"/>
-          <a:ext cx="0" cy="0"/>
-          <a:chOff x="0" y="0"/>
-          <a:chExt cx="0" cy="0"/>
-        </a:xfrm>
-      </p:grpSpPr>
-      <p:sp>
-        <p:nvSpPr>
-          <p:cNvPr id="2" name="Title 1"/>
-          <p:cNvSpPr>
-            <a:spLocks noGrp="1"/>
-          </p:cNvSpPr>
-          <p:nvPr>
-            <p:ph type="title"/>
-          </p:nvPr>
-        </p:nvSpPr>
-        <p:spPr/>
-        <p:txBody>
-          <a:bodyPr/>
-          <a:lstStyle/>
-          <a:p>
-            <a:r>
-              <a:rPr lang="en-US" dirty="0" smtClean="0"/>
-              <a:t>Testing Apparatus</a:t>
-            </a:r>
-            <a:endParaRPr lang="en-US" dirty="0"/>
-          </a:p>
-        </p:txBody>
-      </p:sp>
-      <p:sp>
-        <p:nvSpPr>
-          <p:cNvPr id="3" name="Content Placeholder 2"/>
-          <p:cNvSpPr>
-            <a:spLocks noGrp="1"/>
-          </p:cNvSpPr>
-          <p:nvPr>
-            <p:ph idx="1"/>
-          </p:nvPr>
-        </p:nvSpPr>
-        <p:spPr/>
-        <p:txBody>
-          <a:bodyPr>
-            <a:normAutofit/>
-          </a:bodyPr>
-          <a:lstStyle/>
-          <a:p>
-            <a:r>
-              <a:rPr lang="en-US" sz="8000" dirty="0" smtClean="0">
-                <a:latin typeface="Courier New" pitchFamily="49" charset="0"/>
-                <a:cs typeface="Courier New" pitchFamily="49" charset="0"/>
-              </a:rPr>
-              <a:t>Testing</a:t>
-            </a:r>
-          </a:p>
-          <a:p>
-            <a:endParaRPr lang="en-US" sz="8000" dirty="0">
-              <a:latin typeface="Courier New" pitchFamily="49" charset="0"/>
-              <a:cs typeface="Courier New" pitchFamily="49" charset="0"/>
-            </a:endParaRPr>
-          </a:p>
-        </p:txBody>
-      </p:sp>
-    </p:spTree>
-    <p:extLst>
-      <p:ext uri="{BB962C8B-B14F-4D97-AF65-F5344CB8AC3E}">
-        <p14:creationId xmlns:p14="http://schemas.microsoft.com/office/powerpoint/2010/main" val="4283636728"/>
       </p:ext>
     </p:extLst>
   </p:cSld>
